--- a/projects/final-project/01-lightning-talk/GA Project - HK.pptx
+++ b/projects/final-project/01-lightning-talk/GA Project - HK.pptx
@@ -5,13 +5,14 @@
     <p:sldMasterId id="2147484056" r:id="rId1"/>
   </p:sldMasterIdLst>
   <p:notesMasterIdLst>
-    <p:notesMasterId r:id="rId6"/>
+    <p:notesMasterId r:id="rId7"/>
   </p:notesMasterIdLst>
   <p:sldIdLst>
     <p:sldId id="256" r:id="rId2"/>
     <p:sldId id="257" r:id="rId3"/>
     <p:sldId id="258" r:id="rId4"/>
     <p:sldId id="259" r:id="rId5"/>
+    <p:sldId id="260" r:id="rId6"/>
   </p:sldIdLst>
   <p:sldSz cx="12192000" cy="6858000"/>
   <p:notesSz cx="6858000" cy="9144000"/>
@@ -200,7 +201,7 @@
           <a:p>
             <a:fld id="{26D71F4C-EC7A-8248-A0A1-23E335D6F51A}" type="datetimeFigureOut">
               <a:rPr lang="en-US" smtClean="0"/>
-              <a:t>05/30/2017</a:t>
+              <a:t>6/1/17</a:t>
             </a:fld>
             <a:endParaRPr lang="en-US"/>
           </a:p>
@@ -694,7 +695,7 @@
           <a:p>
             <a:fld id="{ECDBFEC3-CD96-D245-AA34-D0E5E4CD7D14}" type="datetimeFigureOut">
               <a:rPr lang="en-US" smtClean="0"/>
-              <a:t>05/30/2017</a:t>
+              <a:t>6/1/17</a:t>
             </a:fld>
             <a:endParaRPr lang="en-US"/>
           </a:p>
@@ -902,7 +903,7 @@
           <a:p>
             <a:fld id="{ECDBFEC3-CD96-D245-AA34-D0E5E4CD7D14}" type="datetimeFigureOut">
               <a:rPr lang="en-US" smtClean="0"/>
-              <a:t>05/30/2017</a:t>
+              <a:t>6/1/17</a:t>
             </a:fld>
             <a:endParaRPr lang="en-US"/>
           </a:p>
@@ -1153,7 +1154,7 @@
           <a:p>
             <a:fld id="{ECDBFEC3-CD96-D245-AA34-D0E5E4CD7D14}" type="datetimeFigureOut">
               <a:rPr lang="en-US" smtClean="0"/>
-              <a:t>05/30/2017</a:t>
+              <a:t>6/1/17</a:t>
             </a:fld>
             <a:endParaRPr lang="en-US"/>
           </a:p>
@@ -1322,7 +1323,7 @@
           <a:p>
             <a:fld id="{ECDBFEC3-CD96-D245-AA34-D0E5E4CD7D14}" type="datetimeFigureOut">
               <a:rPr lang="en-US" smtClean="0"/>
-              <a:t>05/30/2017</a:t>
+              <a:t>6/1/17</a:t>
             </a:fld>
             <a:endParaRPr lang="en-US"/>
           </a:p>
@@ -1660,7 +1661,7 @@
           <a:p>
             <a:fld id="{ECDBFEC3-CD96-D245-AA34-D0E5E4CD7D14}" type="datetimeFigureOut">
               <a:rPr lang="en-US" smtClean="0"/>
-              <a:t>05/30/2017</a:t>
+              <a:t>6/1/17</a:t>
             </a:fld>
             <a:endParaRPr lang="en-US"/>
           </a:p>
@@ -1930,7 +1931,7 @@
           <a:p>
             <a:fld id="{ECDBFEC3-CD96-D245-AA34-D0E5E4CD7D14}" type="datetimeFigureOut">
               <a:rPr lang="en-US" smtClean="0"/>
-              <a:t>05/30/2017</a:t>
+              <a:t>6/1/17</a:t>
             </a:fld>
             <a:endParaRPr lang="en-US"/>
           </a:p>
@@ -2304,7 +2305,7 @@
           <a:p>
             <a:fld id="{ECDBFEC3-CD96-D245-AA34-D0E5E4CD7D14}" type="datetimeFigureOut">
               <a:rPr lang="en-US" smtClean="0"/>
-              <a:t>05/30/2017</a:t>
+              <a:t>6/1/17</a:t>
             </a:fld>
             <a:endParaRPr lang="en-US"/>
           </a:p>
@@ -2417,7 +2418,7 @@
           <a:p>
             <a:fld id="{ECDBFEC3-CD96-D245-AA34-D0E5E4CD7D14}" type="datetimeFigureOut">
               <a:rPr lang="en-US" smtClean="0"/>
-              <a:t>05/30/2017</a:t>
+              <a:t>6/1/17</a:t>
             </a:fld>
             <a:endParaRPr lang="en-US"/>
           </a:p>
@@ -2583,7 +2584,7 @@
           <a:p>
             <a:fld id="{ECDBFEC3-CD96-D245-AA34-D0E5E4CD7D14}" type="datetimeFigureOut">
               <a:rPr lang="en-US" smtClean="0"/>
-              <a:t>05/30/2017</a:t>
+              <a:t>6/1/17</a:t>
             </a:fld>
             <a:endParaRPr lang="en-US"/>
           </a:p>
@@ -2937,7 +2938,7 @@
           <a:p>
             <a:fld id="{ECDBFEC3-CD96-D245-AA34-D0E5E4CD7D14}" type="datetimeFigureOut">
               <a:rPr lang="en-US" smtClean="0"/>
-              <a:t>05/30/2017</a:t>
+              <a:t>6/1/17</a:t>
             </a:fld>
             <a:endParaRPr lang="en-US"/>
           </a:p>
@@ -3316,7 +3317,7 @@
           <a:p>
             <a:fld id="{ECDBFEC3-CD96-D245-AA34-D0E5E4CD7D14}" type="datetimeFigureOut">
               <a:rPr lang="en-US" smtClean="0"/>
-              <a:t>05/30/2017</a:t>
+              <a:t>6/1/17</a:t>
             </a:fld>
             <a:endParaRPr lang="en-US"/>
           </a:p>
@@ -3598,7 +3599,7 @@
           <a:p>
             <a:fld id="{ECDBFEC3-CD96-D245-AA34-D0E5E4CD7D14}" type="datetimeFigureOut">
               <a:rPr lang="en-US" smtClean="0"/>
-              <a:t>05/30/2017</a:t>
+              <a:t>6/1/17</a:t>
             </a:fld>
             <a:endParaRPr lang="en-US"/>
           </a:p>
@@ -4595,7 +4596,15 @@
           <a:p>
             <a:r>
               <a:rPr lang="en-US" dirty="0" smtClean="0"/>
-              <a:t>Project idea 3 </a:t>
+              <a:t>Project idea </a:t>
+            </a:r>
+            <a:r>
+              <a:rPr lang="en-US" dirty="0"/>
+              <a:t>4</a:t>
+            </a:r>
+            <a:r>
+              <a:rPr lang="en-US" dirty="0" smtClean="0"/>
+              <a:t/>
             </a:r>
             <a:br>
               <a:rPr lang="en-US" dirty="0" smtClean="0"/>
@@ -4637,7 +4646,7 @@
         <p:spPr/>
         <p:txBody>
           <a:bodyPr>
-            <a:normAutofit lnSpcReduction="10000"/>
+            <a:normAutofit/>
           </a:bodyPr>
           <a:lstStyle/>
           <a:p>
@@ -4672,8 +4681,134 @@
               <a:buChar char="•"/>
             </a:pPr>
             <a:r>
+              <a:rPr lang="en-US" dirty="0" smtClean="0">
+                <a:hlinkClick r:id="rId2"/>
+              </a:rPr>
+              <a:t>https</a:t>
+            </a:r>
+            <a:r>
+              <a:rPr lang="en-US" dirty="0">
+                <a:hlinkClick r:id="rId2"/>
+              </a:rPr>
+              <a:t>://www.kaggle.com/c/mercedes-benz-greener-manufacturing#description</a:t>
+            </a:r>
+            <a:endParaRPr lang="en-US" b="1" u="sng" dirty="0"/>
+          </a:p>
+          <a:p>
+            <a:pPr marL="0" indent="0">
+              <a:buNone/>
+            </a:pPr>
+            <a:endParaRPr lang="en-US" b="1" u="sng" dirty="0" smtClean="0"/>
+          </a:p>
+          <a:p>
+            <a:pPr marL="0" indent="0">
+              <a:buNone/>
+            </a:pPr>
+            <a:r>
+              <a:rPr lang="en-US" b="1" u="sng" smtClean="0"/>
+              <a:t>Hypothesis</a:t>
+            </a:r>
+            <a:r>
+              <a:rPr lang="en-US" b="1" u="sng" dirty="0"/>
+              <a:t>:</a:t>
+            </a:r>
+          </a:p>
+          <a:p>
+            <a:r>
               <a:rPr lang="en-US" dirty="0" smtClean="0"/>
-              <a:t>Customer Loan Data</a:t>
+              <a:t>Based on customer loan data and their demographic information, we can predict the likelihood of a customer defaulting the loan.</a:t>
+            </a:r>
+            <a:endParaRPr lang="en-US" dirty="0"/>
+          </a:p>
+          <a:p>
+            <a:endParaRPr lang="en-US" dirty="0"/>
+          </a:p>
+        </p:txBody>
+      </p:sp>
+    </p:spTree>
+    <p:extLst>
+      <p:ext uri="{BB962C8B-B14F-4D97-AF65-F5344CB8AC3E}">
+        <p14:creationId xmlns:p14="http://schemas.microsoft.com/office/powerpoint/2010/main" val="1105853463"/>
+      </p:ext>
+    </p:extLst>
+  </p:cSld>
+  <p:clrMapOvr>
+    <a:masterClrMapping/>
+  </p:clrMapOvr>
+</p:sld>
+</file>
+
+<file path=ppt/slides/slide5.xml><?xml version="1.0" encoding="utf-8"?>
+<p:sld xmlns:a="http://schemas.openxmlformats.org/drawingml/2006/main" xmlns:r="http://schemas.openxmlformats.org/officeDocument/2006/relationships" xmlns:p="http://schemas.openxmlformats.org/presentationml/2006/main">
+  <p:cSld>
+    <p:spTree>
+      <p:nvGrpSpPr>
+        <p:cNvPr id="1" name=""/>
+        <p:cNvGrpSpPr/>
+        <p:nvPr/>
+      </p:nvGrpSpPr>
+      <p:grpSpPr>
+        <a:xfrm>
+          <a:off x="0" y="0"/>
+          <a:ext cx="0" cy="0"/>
+          <a:chOff x="0" y="0"/>
+          <a:chExt cx="0" cy="0"/>
+        </a:xfrm>
+      </p:grpSpPr>
+      <p:sp>
+        <p:nvSpPr>
+          <p:cNvPr id="2" name="Title 1"/>
+          <p:cNvSpPr>
+            <a:spLocks noGrp="1"/>
+          </p:cNvSpPr>
+          <p:nvPr>
+            <p:ph type="title"/>
+          </p:nvPr>
+        </p:nvSpPr>
+        <p:spPr/>
+        <p:txBody>
+          <a:bodyPr/>
+          <a:lstStyle/>
+          <a:p>
+            <a:endParaRPr lang="en-US"/>
+          </a:p>
+        </p:txBody>
+      </p:sp>
+      <p:sp>
+        <p:nvSpPr>
+          <p:cNvPr id="3" name="Content Placeholder 2"/>
+          <p:cNvSpPr>
+            <a:spLocks noGrp="1"/>
+          </p:cNvSpPr>
+          <p:nvPr>
+            <p:ph idx="1"/>
+          </p:nvPr>
+        </p:nvSpPr>
+        <p:spPr/>
+        <p:txBody>
+          <a:bodyPr>
+            <a:normAutofit lnSpcReduction="10000"/>
+          </a:bodyPr>
+          <a:lstStyle/>
+          <a:p>
+            <a:r>
+              <a:rPr lang="en-US" b="1" u="sng" dirty="0"/>
+              <a:t>The Problem: </a:t>
+            </a:r>
+          </a:p>
+          <a:p>
+            <a:r>
+              <a:rPr lang="en-US" dirty="0"/>
+              <a:t>Predict the Likelihood of default for a given customer </a:t>
+            </a:r>
+          </a:p>
+          <a:p>
+            <a:endParaRPr lang="en-US" b="1" u="sng" dirty="0"/>
+          </a:p>
+          <a:p>
+            <a:r>
+              <a:rPr lang="en-US" b="1" u="sng" dirty="0"/>
+              <a:t>Data:</a:t>
             </a:r>
           </a:p>
           <a:p>
@@ -4682,8 +4817,8 @@
               <a:buChar char="•"/>
             </a:pPr>
             <a:r>
-              <a:rPr lang="en-US" dirty="0" smtClean="0"/>
-              <a:t>Customer Demographic Data </a:t>
+              <a:rPr lang="en-US" dirty="0"/>
+              <a:t>Customer Loan Data</a:t>
             </a:r>
           </a:p>
           <a:p>
@@ -4692,24 +4827,22 @@
               <a:buChar char="•"/>
             </a:pPr>
             <a:r>
-              <a:rPr lang="en-US" dirty="0" smtClean="0">
-                <a:hlinkClick r:id="rId2"/>
-              </a:rPr>
-              <a:t>https</a:t>
-            </a:r>
+              <a:rPr lang="en-US" dirty="0"/>
+              <a:t>Customer Demographic Data </a:t>
+            </a:r>
+          </a:p>
+          <a:p>
+            <a:pPr lvl="1">
+              <a:buFont typeface="Arial" charset="0"/>
+              <a:buChar char="•"/>
+            </a:pPr>
             <a:r>
               <a:rPr lang="en-US" dirty="0">
                 <a:hlinkClick r:id="rId2"/>
               </a:rPr>
-              <a:t>://</a:t>
-            </a:r>
-            <a:r>
-              <a:rPr lang="en-US" dirty="0" smtClean="0">
-                <a:hlinkClick r:id="rId2"/>
-              </a:rPr>
-              <a:t>www.kaggle.com/zhijinzhai/loandata</a:t>
-            </a:r>
-            <a:endParaRPr lang="en-US" dirty="0" smtClean="0"/>
+              <a:t>https://www.kaggle.com/zhijinzhai/loandata</a:t>
+            </a:r>
+            <a:endParaRPr lang="en-US" dirty="0"/>
           </a:p>
           <a:p>
             <a:pPr lvl="1">
@@ -4723,22 +4856,15 @@
               <a:buNone/>
             </a:pPr>
             <a:r>
-              <a:rPr lang="en-US" b="1" u="sng" dirty="0" smtClean="0"/>
-              <a:t>Hypothesis</a:t>
-            </a:r>
-            <a:r>
               <a:rPr lang="en-US" b="1" u="sng" dirty="0"/>
-              <a:t>:</a:t>
-            </a:r>
-          </a:p>
-          <a:p>
-            <a:r>
-              <a:rPr lang="en-US" dirty="0" smtClean="0"/>
+              <a:t>Hypothesis:</a:t>
+            </a:r>
+          </a:p>
+          <a:p>
+            <a:r>
+              <a:rPr lang="en-US" dirty="0"/>
               <a:t>Based on customer loan data and their demographic information, we can predict the likelihood of a customer defaulting the loan.</a:t>
             </a:r>
-            <a:endParaRPr lang="en-US" dirty="0"/>
-          </a:p>
-          <a:p>
             <a:endParaRPr lang="en-US" dirty="0"/>
           </a:p>
         </p:txBody>
@@ -4746,7 +4872,7 @@
     </p:spTree>
     <p:extLst>
       <p:ext uri="{BB962C8B-B14F-4D97-AF65-F5344CB8AC3E}">
-        <p14:creationId xmlns:p14="http://schemas.microsoft.com/office/powerpoint/2010/main" val="1105853463"/>
+        <p14:creationId xmlns:p14="http://schemas.microsoft.com/office/powerpoint/2010/main" val="1259071529"/>
       </p:ext>
     </p:extLst>
   </p:cSld>

--- a/projects/final-project/01-lightning-talk/GA Project - HK.pptx
+++ b/projects/final-project/01-lightning-talk/GA Project - HK.pptx
@@ -9,10 +9,10 @@
   </p:notesMasterIdLst>
   <p:sldIdLst>
     <p:sldId id="256" r:id="rId2"/>
-    <p:sldId id="257" r:id="rId3"/>
-    <p:sldId id="258" r:id="rId4"/>
-    <p:sldId id="259" r:id="rId5"/>
-    <p:sldId id="260" r:id="rId6"/>
+    <p:sldId id="260" r:id="rId3"/>
+    <p:sldId id="257" r:id="rId4"/>
+    <p:sldId id="258" r:id="rId5"/>
+    <p:sldId id="259" r:id="rId6"/>
   </p:sldIdLst>
   <p:sldSz cx="12192000" cy="6858000"/>
   <p:notesSz cx="6858000" cy="9144000"/>
@@ -201,7 +201,7 @@
           <a:p>
             <a:fld id="{26D71F4C-EC7A-8248-A0A1-23E335D6F51A}" type="datetimeFigureOut">
               <a:rPr lang="en-US" smtClean="0"/>
-              <a:t>6/1/17</a:t>
+              <a:t>6/7/17</a:t>
             </a:fld>
             <a:endParaRPr lang="en-US"/>
           </a:p>
@@ -695,7 +695,7 @@
           <a:p>
             <a:fld id="{ECDBFEC3-CD96-D245-AA34-D0E5E4CD7D14}" type="datetimeFigureOut">
               <a:rPr lang="en-US" smtClean="0"/>
-              <a:t>6/1/17</a:t>
+              <a:t>6/7/17</a:t>
             </a:fld>
             <a:endParaRPr lang="en-US"/>
           </a:p>
@@ -903,7 +903,7 @@
           <a:p>
             <a:fld id="{ECDBFEC3-CD96-D245-AA34-D0E5E4CD7D14}" type="datetimeFigureOut">
               <a:rPr lang="en-US" smtClean="0"/>
-              <a:t>6/1/17</a:t>
+              <a:t>6/7/17</a:t>
             </a:fld>
             <a:endParaRPr lang="en-US"/>
           </a:p>
@@ -1154,7 +1154,7 @@
           <a:p>
             <a:fld id="{ECDBFEC3-CD96-D245-AA34-D0E5E4CD7D14}" type="datetimeFigureOut">
               <a:rPr lang="en-US" smtClean="0"/>
-              <a:t>6/1/17</a:t>
+              <a:t>6/7/17</a:t>
             </a:fld>
             <a:endParaRPr lang="en-US"/>
           </a:p>
@@ -1323,7 +1323,7 @@
           <a:p>
             <a:fld id="{ECDBFEC3-CD96-D245-AA34-D0E5E4CD7D14}" type="datetimeFigureOut">
               <a:rPr lang="en-US" smtClean="0"/>
-              <a:t>6/1/17</a:t>
+              <a:t>6/7/17</a:t>
             </a:fld>
             <a:endParaRPr lang="en-US"/>
           </a:p>
@@ -1661,7 +1661,7 @@
           <a:p>
             <a:fld id="{ECDBFEC3-CD96-D245-AA34-D0E5E4CD7D14}" type="datetimeFigureOut">
               <a:rPr lang="en-US" smtClean="0"/>
-              <a:t>6/1/17</a:t>
+              <a:t>6/7/17</a:t>
             </a:fld>
             <a:endParaRPr lang="en-US"/>
           </a:p>
@@ -1931,7 +1931,7 @@
           <a:p>
             <a:fld id="{ECDBFEC3-CD96-D245-AA34-D0E5E4CD7D14}" type="datetimeFigureOut">
               <a:rPr lang="en-US" smtClean="0"/>
-              <a:t>6/1/17</a:t>
+              <a:t>6/7/17</a:t>
             </a:fld>
             <a:endParaRPr lang="en-US"/>
           </a:p>
@@ -2305,7 +2305,7 @@
           <a:p>
             <a:fld id="{ECDBFEC3-CD96-D245-AA34-D0E5E4CD7D14}" type="datetimeFigureOut">
               <a:rPr lang="en-US" smtClean="0"/>
-              <a:t>6/1/17</a:t>
+              <a:t>6/7/17</a:t>
             </a:fld>
             <a:endParaRPr lang="en-US"/>
           </a:p>
@@ -2418,7 +2418,7 @@
           <a:p>
             <a:fld id="{ECDBFEC3-CD96-D245-AA34-D0E5E4CD7D14}" type="datetimeFigureOut">
               <a:rPr lang="en-US" smtClean="0"/>
-              <a:t>6/1/17</a:t>
+              <a:t>6/7/17</a:t>
             </a:fld>
             <a:endParaRPr lang="en-US"/>
           </a:p>
@@ -2584,7 +2584,7 @@
           <a:p>
             <a:fld id="{ECDBFEC3-CD96-D245-AA34-D0E5E4CD7D14}" type="datetimeFigureOut">
               <a:rPr lang="en-US" smtClean="0"/>
-              <a:t>6/1/17</a:t>
+              <a:t>6/7/17</a:t>
             </a:fld>
             <a:endParaRPr lang="en-US"/>
           </a:p>
@@ -2938,7 +2938,7 @@
           <a:p>
             <a:fld id="{ECDBFEC3-CD96-D245-AA34-D0E5E4CD7D14}" type="datetimeFigureOut">
               <a:rPr lang="en-US" smtClean="0"/>
-              <a:t>6/1/17</a:t>
+              <a:t>6/7/17</a:t>
             </a:fld>
             <a:endParaRPr lang="en-US"/>
           </a:p>
@@ -3317,7 +3317,7 @@
           <a:p>
             <a:fld id="{ECDBFEC3-CD96-D245-AA34-D0E5E4CD7D14}" type="datetimeFigureOut">
               <a:rPr lang="en-US" smtClean="0"/>
-              <a:t>6/1/17</a:t>
+              <a:t>6/7/17</a:t>
             </a:fld>
             <a:endParaRPr lang="en-US"/>
           </a:p>
@@ -3599,7 +3599,7 @@
           <a:p>
             <a:fld id="{ECDBFEC3-CD96-D245-AA34-D0E5E4CD7D14}" type="datetimeFigureOut">
               <a:rPr lang="en-US" smtClean="0"/>
-              <a:t>6/1/17</a:t>
+              <a:t>6/7/17</a:t>
             </a:fld>
             <a:endParaRPr lang="en-US"/>
           </a:p>
@@ -4244,61 +4244,84 @@
         </p:nvSpPr>
         <p:spPr/>
         <p:txBody>
-          <a:bodyPr/>
-          <a:lstStyle/>
-          <a:p>
-            <a:r>
-              <a:rPr lang="en-US" dirty="0" smtClean="0"/>
-              <a:t>Project Idea 1:</a:t>
-            </a:r>
-            <a:br>
-              <a:rPr lang="en-US" dirty="0" smtClean="0"/>
-            </a:br>
-            <a:r>
-              <a:rPr lang="en-US" sz="3600" dirty="0" smtClean="0"/>
-              <a:t>(Predicting CSS Sign Up )</a:t>
-            </a:r>
-            <a:endParaRPr lang="en-US" sz="3600" dirty="0"/>
-          </a:p>
-        </p:txBody>
-      </p:sp>
-      <p:sp>
-        <p:nvSpPr>
-          <p:cNvPr id="3" name="Content Placeholder 2"/>
-          <p:cNvSpPr>
-            <a:spLocks noGrp="1"/>
-          </p:cNvSpPr>
-          <p:nvPr>
-            <p:ph idx="1"/>
-          </p:nvPr>
-        </p:nvSpPr>
-        <p:spPr>
-          <a:xfrm>
-            <a:off x="1097280" y="1845733"/>
-            <a:ext cx="10219904" cy="4400687"/>
-          </a:xfrm>
-        </p:spPr>
-        <p:txBody>
           <a:bodyPr>
             <a:normAutofit/>
           </a:bodyPr>
           <a:lstStyle/>
           <a:p>
             <a:r>
-              <a:rPr lang="en-US" b="1" u="sng" dirty="0" smtClean="0"/>
+              <a:rPr lang="en-US" dirty="0"/>
+              <a:t>Project idea </a:t>
+            </a:r>
+            <a:r>
+              <a:rPr lang="en-US" dirty="0" smtClean="0"/>
+              <a:t>1</a:t>
+            </a:r>
+            <a:r>
+              <a:rPr lang="en-US" dirty="0"/>
+              <a:t/>
+            </a:r>
+            <a:br>
+              <a:rPr lang="en-US" dirty="0"/>
+            </a:br>
+            <a:r>
+              <a:rPr lang="en-US" sz="2800" dirty="0"/>
+              <a:t>( Predicting default based on the Loan </a:t>
+            </a:r>
+            <a:r>
+              <a:rPr lang="en-US" sz="2800" dirty="0" err="1"/>
+              <a:t>DataSet</a:t>
+            </a:r>
+            <a:r>
+              <a:rPr lang="en-US" sz="2800" dirty="0"/>
+              <a:t> - </a:t>
+            </a:r>
+            <a:r>
+              <a:rPr lang="en-US" sz="2800" dirty="0" err="1"/>
+              <a:t>Kaggle</a:t>
+            </a:r>
+            <a:r>
+              <a:rPr lang="en-US" sz="2800" dirty="0"/>
+              <a:t>)</a:t>
+            </a:r>
+            <a:endParaRPr lang="en-US" sz="2800" dirty="0"/>
+          </a:p>
+        </p:txBody>
+      </p:sp>
+      <p:sp>
+        <p:nvSpPr>
+          <p:cNvPr id="3" name="Content Placeholder 2"/>
+          <p:cNvSpPr>
+            <a:spLocks noGrp="1"/>
+          </p:cNvSpPr>
+          <p:nvPr>
+            <p:ph idx="1"/>
+          </p:nvPr>
+        </p:nvSpPr>
+        <p:spPr/>
+        <p:txBody>
+          <a:bodyPr>
+            <a:normAutofit lnSpcReduction="10000"/>
+          </a:bodyPr>
+          <a:lstStyle/>
+          <a:p>
+            <a:r>
+              <a:rPr lang="en-US" b="1" u="sng" dirty="0"/>
               <a:t>The Problem: </a:t>
             </a:r>
           </a:p>
           <a:p>
             <a:r>
-              <a:rPr lang="en-US" dirty="0" smtClean="0"/>
-              <a:t>Given we have customer profile data as of March 2017 , predict which customers will sign up for CSS accounts ( customer self service accounts ) by the end of May 2017.  This will help channel the marketing efforts towards customers with a higher probability of signing up.</a:t>
-            </a:r>
-            <a:endParaRPr lang="en-US" dirty="0"/>
-          </a:p>
-          <a:p>
-            <a:r>
-              <a:rPr lang="en-US" b="1" u="sng" dirty="0" smtClean="0"/>
+              <a:rPr lang="en-US" dirty="0"/>
+              <a:t>Predict the Likelihood of default for a given customer </a:t>
+            </a:r>
+          </a:p>
+          <a:p>
+            <a:endParaRPr lang="en-US" b="1" u="sng" dirty="0"/>
+          </a:p>
+          <a:p>
+            <a:r>
+              <a:rPr lang="en-US" b="1" u="sng" dirty="0"/>
               <a:t>Data:</a:t>
             </a:r>
           </a:p>
@@ -4308,8 +4331,8 @@
               <a:buChar char="•"/>
             </a:pPr>
             <a:r>
-              <a:rPr lang="en-US" dirty="0" smtClean="0"/>
-              <a:t>Customer profile data as of March 2017.</a:t>
+              <a:rPr lang="en-US" dirty="0"/>
+              <a:t>Customer Loan Data</a:t>
             </a:r>
           </a:p>
           <a:p>
@@ -4318,8 +4341,8 @@
               <a:buChar char="•"/>
             </a:pPr>
             <a:r>
-              <a:rPr lang="en-US" dirty="0" smtClean="0"/>
-              <a:t>Customer Demographic data </a:t>
+              <a:rPr lang="en-US" dirty="0"/>
+              <a:t>Customer Demographic Data </a:t>
             </a:r>
           </a:p>
           <a:p>
@@ -4328,58 +4351,47 @@
               <a:buChar char="•"/>
             </a:pPr>
             <a:r>
-              <a:rPr lang="en-US" dirty="0" smtClean="0"/>
-              <a:t>Agent data</a:t>
-            </a:r>
+              <a:rPr lang="en-US" dirty="0">
+                <a:hlinkClick r:id="rId2"/>
+              </a:rPr>
+              <a:t>https://www.kaggle.com/zhijinzhai/loandata</a:t>
+            </a:r>
+            <a:endParaRPr lang="en-US" dirty="0"/>
           </a:p>
           <a:p>
             <a:pPr lvl="1">
               <a:buFont typeface="Arial" charset="0"/>
               <a:buChar char="•"/>
             </a:pPr>
-            <a:r>
-              <a:rPr lang="en-US" dirty="0" smtClean="0"/>
-              <a:t>Marketing email data</a:t>
-            </a:r>
-            <a:endParaRPr lang="en-US" dirty="0"/>
-          </a:p>
-          <a:p>
-            <a:r>
-              <a:rPr lang="en-US" b="1" u="sng" dirty="0" smtClean="0"/>
+            <a:endParaRPr lang="en-US" b="1" u="sng" dirty="0"/>
+          </a:p>
+          <a:p>
+            <a:pPr marL="0" indent="0">
+              <a:buNone/>
+            </a:pPr>
+            <a:r>
+              <a:rPr lang="en-US" b="1" u="sng" dirty="0"/>
               <a:t>Hypothesis:</a:t>
             </a:r>
           </a:p>
           <a:p>
             <a:r>
-              <a:rPr lang="en-US" dirty="0" smtClean="0"/>
-              <a:t>Customer profile information can help predict the likelihood of a customer signing up for self service account.</a:t>
-            </a:r>
-          </a:p>
-          <a:p>
-            <a:endParaRPr lang="en-US" dirty="0"/>
-          </a:p>
-          <a:p>
-            <a:endParaRPr lang="en-US" dirty="0"/>
+              <a:rPr lang="en-US" dirty="0"/>
+              <a:t>Based on customer loan data and their demographic information, we can predict the likelihood of a customer defaulting the loan.</a:t>
+            </a:r>
           </a:p>
         </p:txBody>
       </p:sp>
     </p:spTree>
     <p:extLst>
       <p:ext uri="{BB962C8B-B14F-4D97-AF65-F5344CB8AC3E}">
-        <p14:creationId xmlns:p14="http://schemas.microsoft.com/office/powerpoint/2010/main" val="518527959"/>
+        <p14:creationId xmlns:p14="http://schemas.microsoft.com/office/powerpoint/2010/main" val="1259071529"/>
       </p:ext>
     </p:extLst>
   </p:cSld>
   <p:clrMapOvr>
     <a:masterClrMapping/>
   </p:clrMapOvr>
-  <p:timing>
-    <p:tnLst>
-      <p:par>
-        <p:cTn id="1" dur="indefinite" restart="never" nodeType="tmRoot"/>
-      </p:par>
-    </p:tnLst>
-  </p:timing>
 </p:sld>
 </file>
 
@@ -4412,21 +4424,27 @@
         </p:nvSpPr>
         <p:spPr/>
         <p:txBody>
-          <a:bodyPr>
-            <a:normAutofit fontScale="90000"/>
-          </a:bodyPr>
+          <a:bodyPr/>
           <a:lstStyle/>
           <a:p>
             <a:r>
               <a:rPr lang="en-US" dirty="0" smtClean="0"/>
-              <a:t>Project Idea 2: </a:t>
+              <a:t>Project Idea </a:t>
+            </a:r>
+            <a:r>
+              <a:rPr lang="en-US" dirty="0" smtClean="0"/>
+              <a:t>2:</a:t>
+            </a:r>
+            <a:r>
+              <a:rPr lang="en-US" dirty="0" smtClean="0"/>
+              <a:t/>
             </a:r>
             <a:br>
               <a:rPr lang="en-US" dirty="0" smtClean="0"/>
             </a:br>
             <a:r>
               <a:rPr lang="en-US" sz="3600" dirty="0" smtClean="0"/>
-              <a:t>( Predicting which non-HVH households will become HVH )</a:t>
+              <a:t>(Predicting CSS Sign Up )</a:t>
             </a:r>
             <a:endParaRPr lang="en-US" sz="3600" dirty="0"/>
           </a:p>
@@ -4442,7 +4460,12 @@
             <p:ph idx="1"/>
           </p:nvPr>
         </p:nvSpPr>
-        <p:spPr/>
+        <p:spPr>
+          <a:xfrm>
+            <a:off x="1097280" y="1845733"/>
+            <a:ext cx="10219904" cy="4400687"/>
+          </a:xfrm>
+        </p:spPr>
         <p:txBody>
           <a:bodyPr>
             <a:normAutofit/>
@@ -4450,20 +4473,20 @@
           <a:lstStyle/>
           <a:p>
             <a:r>
-              <a:rPr lang="en-US" b="1" u="sng" dirty="0"/>
+              <a:rPr lang="en-US" b="1" u="sng" dirty="0" smtClean="0"/>
               <a:t>The Problem: </a:t>
             </a:r>
           </a:p>
           <a:p>
             <a:r>
               <a:rPr lang="en-US" dirty="0" smtClean="0"/>
-              <a:t>Given we have household data as of Jan 2013 , predict the probability of a given non-HVH household becoming a high value household in the next 4 years.</a:t>
+              <a:t>Given we have customer profile data as of March 2017 , predict which customers will sign up for CSS accounts ( customer self service accounts ) by the end of May 2017.  This will help channel the marketing efforts towards customers with a higher probability of signing up.</a:t>
             </a:r>
             <a:endParaRPr lang="en-US" dirty="0"/>
           </a:p>
           <a:p>
             <a:r>
-              <a:rPr lang="en-US" b="1" u="sng" dirty="0"/>
+              <a:rPr lang="en-US" b="1" u="sng" dirty="0" smtClean="0"/>
               <a:t>Data:</a:t>
             </a:r>
           </a:p>
@@ -4474,17 +4497,8 @@
             </a:pPr>
             <a:r>
               <a:rPr lang="en-US" dirty="0" smtClean="0"/>
-              <a:t>Household data at as </a:t>
-            </a:r>
-            <a:r>
-              <a:rPr lang="en-US" dirty="0"/>
-              <a:t>of </a:t>
-            </a:r>
-            <a:r>
-              <a:rPr lang="en-US" dirty="0" smtClean="0"/>
-              <a:t>Jan 2013</a:t>
-            </a:r>
-            <a:endParaRPr lang="en-US" dirty="0"/>
+              <a:t>Customer profile data as of March 2017.</a:t>
+            </a:r>
           </a:p>
           <a:p>
             <a:pPr lvl="1">
@@ -4493,11 +4507,7 @@
             </a:pPr>
             <a:r>
               <a:rPr lang="en-US" dirty="0" smtClean="0"/>
-              <a:t>Demographic </a:t>
-            </a:r>
-            <a:r>
-              <a:rPr lang="en-US" dirty="0"/>
-              <a:t>data </a:t>
+              <a:t>Customer Demographic data </a:t>
             </a:r>
           </a:p>
           <a:p>
@@ -4506,33 +4516,34 @@
               <a:buChar char="•"/>
             </a:pPr>
             <a:r>
-              <a:rPr lang="en-US" dirty="0"/>
+              <a:rPr lang="en-US" dirty="0" smtClean="0"/>
               <a:t>Agent data</a:t>
             </a:r>
           </a:p>
           <a:p>
+            <a:pPr lvl="1">
+              <a:buFont typeface="Arial" charset="0"/>
+              <a:buChar char="•"/>
+            </a:pPr>
+            <a:r>
+              <a:rPr lang="en-US" dirty="0" smtClean="0"/>
+              <a:t>Marketing email data</a:t>
+            </a:r>
+            <a:endParaRPr lang="en-US" dirty="0"/>
+          </a:p>
+          <a:p>
             <a:r>
               <a:rPr lang="en-US" b="1" u="sng" dirty="0" smtClean="0"/>
-              <a:t>Hypothesis</a:t>
-            </a:r>
-            <a:r>
-              <a:rPr lang="en-US" b="1" u="sng" dirty="0"/>
-              <a:t>:</a:t>
+              <a:t>Hypothesis:</a:t>
             </a:r>
           </a:p>
           <a:p>
             <a:r>
               <a:rPr lang="en-US" dirty="0" smtClean="0"/>
-              <a:t>Household and demographic information can predict </a:t>
-            </a:r>
-            <a:r>
-              <a:rPr lang="en-US" dirty="0"/>
-              <a:t>the likelihood of a </a:t>
-            </a:r>
-            <a:r>
-              <a:rPr lang="en-US" dirty="0" smtClean="0"/>
-              <a:t>household becoming a high value household in a defined future timeframe.</a:t>
-            </a:r>
+              <a:t>Customer profile information can help predict the likelihood of a customer signing up for self service account.</a:t>
+            </a:r>
+          </a:p>
+          <a:p>
             <a:endParaRPr lang="en-US" dirty="0"/>
           </a:p>
           <a:p>
@@ -4543,7 +4554,7 @@
     </p:spTree>
     <p:extLst>
       <p:ext uri="{BB962C8B-B14F-4D97-AF65-F5344CB8AC3E}">
-        <p14:creationId xmlns:p14="http://schemas.microsoft.com/office/powerpoint/2010/main" val="1426525453"/>
+        <p14:creationId xmlns:p14="http://schemas.microsoft.com/office/powerpoint/2010/main" val="518527959"/>
       </p:ext>
     </p:extLst>
   </p:cSld>
@@ -4596,11 +4607,11 @@
           <a:p>
             <a:r>
               <a:rPr lang="en-US" dirty="0" smtClean="0"/>
-              <a:t>Project idea </a:t>
-            </a:r>
-            <a:r>
-              <a:rPr lang="en-US" dirty="0"/>
-              <a:t>4</a:t>
+              <a:t>Project Idea </a:t>
+            </a:r>
+            <a:r>
+              <a:rPr lang="en-US" dirty="0" smtClean="0"/>
+              <a:t>3: </a:t>
             </a:r>
             <a:r>
               <a:rPr lang="en-US" dirty="0" smtClean="0"/>
@@ -4610,26 +4621,10 @@
               <a:rPr lang="en-US" dirty="0" smtClean="0"/>
             </a:br>
             <a:r>
-              <a:rPr lang="en-US" sz="4000" dirty="0" smtClean="0"/>
-              <a:t>( Predicting default based on the Loan </a:t>
-            </a:r>
-            <a:r>
-              <a:rPr lang="en-US" sz="4000" dirty="0" err="1" smtClean="0"/>
-              <a:t>DataSet</a:t>
-            </a:r>
-            <a:r>
-              <a:rPr lang="en-US" sz="4000" dirty="0" smtClean="0"/>
-              <a:t> - </a:t>
-            </a:r>
-            <a:r>
-              <a:rPr lang="en-US" sz="4000" dirty="0" err="1" smtClean="0"/>
-              <a:t>Kaggle</a:t>
-            </a:r>
-            <a:r>
-              <a:rPr lang="en-US" sz="4000" dirty="0" smtClean="0"/>
-              <a:t>)</a:t>
-            </a:r>
-            <a:endParaRPr lang="en-US" sz="4000" dirty="0"/>
+              <a:rPr lang="en-US" sz="3600" dirty="0" smtClean="0"/>
+              <a:t>( Predicting which non-HVH households will become HVH )</a:t>
+            </a:r>
+            <a:endParaRPr lang="en-US" sz="3600" dirty="0"/>
           </a:p>
         </p:txBody>
       </p:sp>
@@ -4654,25 +4649,18 @@
               <a:rPr lang="en-US" b="1" u="sng" dirty="0"/>
               <a:t>The Problem: </a:t>
             </a:r>
-            <a:endParaRPr lang="en-US" b="1" u="sng" dirty="0" smtClean="0"/>
           </a:p>
           <a:p>
             <a:r>
               <a:rPr lang="en-US" dirty="0" smtClean="0"/>
-              <a:t>Predict the Likelihood of default for a given customer </a:t>
-            </a:r>
-          </a:p>
-          <a:p>
-            <a:endParaRPr lang="en-US" b="1" u="sng" dirty="0" smtClean="0"/>
-          </a:p>
-          <a:p>
-            <a:r>
-              <a:rPr lang="en-US" b="1" u="sng" dirty="0" smtClean="0"/>
-              <a:t>Data</a:t>
-            </a:r>
+              <a:t>Given we have household data as of Jan 2013 , predict the probability of a given non-HVH household becoming a high value household in the next 4 years.</a:t>
+            </a:r>
+            <a:endParaRPr lang="en-US" dirty="0"/>
+          </a:p>
+          <a:p>
             <a:r>
               <a:rPr lang="en-US" b="1" u="sng" dirty="0"/>
-              <a:t>:</a:t>
+              <a:t>Data:</a:t>
             </a:r>
           </a:p>
           <a:p>
@@ -4681,31 +4669,46 @@
               <a:buChar char="•"/>
             </a:pPr>
             <a:r>
-              <a:rPr lang="en-US" dirty="0" smtClean="0">
-                <a:hlinkClick r:id="rId2"/>
-              </a:rPr>
-              <a:t>https</a:t>
-            </a:r>
-            <a:r>
-              <a:rPr lang="en-US" dirty="0">
-                <a:hlinkClick r:id="rId2"/>
-              </a:rPr>
-              <a:t>://www.kaggle.com/c/mercedes-benz-greener-manufacturing#description</a:t>
-            </a:r>
-            <a:endParaRPr lang="en-US" b="1" u="sng" dirty="0"/>
-          </a:p>
-          <a:p>
-            <a:pPr marL="0" indent="0">
-              <a:buNone/>
+              <a:rPr lang="en-US" dirty="0" smtClean="0"/>
+              <a:t>Household data at as </a:t>
+            </a:r>
+            <a:r>
+              <a:rPr lang="en-US" dirty="0"/>
+              <a:t>of </a:t>
+            </a:r>
+            <a:r>
+              <a:rPr lang="en-US" dirty="0" smtClean="0"/>
+              <a:t>Jan 2013</a:t>
+            </a:r>
+            <a:endParaRPr lang="en-US" dirty="0"/>
+          </a:p>
+          <a:p>
+            <a:pPr lvl="1">
+              <a:buFont typeface="Arial" charset="0"/>
+              <a:buChar char="•"/>
             </a:pPr>
-            <a:endParaRPr lang="en-US" b="1" u="sng" dirty="0" smtClean="0"/>
-          </a:p>
-          <a:p>
-            <a:pPr marL="0" indent="0">
-              <a:buNone/>
+            <a:r>
+              <a:rPr lang="en-US" dirty="0" smtClean="0"/>
+              <a:t>Demographic </a:t>
+            </a:r>
+            <a:r>
+              <a:rPr lang="en-US" dirty="0"/>
+              <a:t>data </a:t>
+            </a:r>
+          </a:p>
+          <a:p>
+            <a:pPr lvl="1">
+              <a:buFont typeface="Arial" charset="0"/>
+              <a:buChar char="•"/>
             </a:pPr>
             <a:r>
-              <a:rPr lang="en-US" b="1" u="sng" smtClean="0"/>
+              <a:rPr lang="en-US" dirty="0"/>
+              <a:t>Agent data</a:t>
+            </a:r>
+          </a:p>
+          <a:p>
+            <a:r>
+              <a:rPr lang="en-US" b="1" u="sng" dirty="0" smtClean="0"/>
               <a:t>Hypothesis</a:t>
             </a:r>
             <a:r>
@@ -4716,7 +4719,15 @@
           <a:p>
             <a:r>
               <a:rPr lang="en-US" dirty="0" smtClean="0"/>
-              <a:t>Based on customer loan data and their demographic information, we can predict the likelihood of a customer defaulting the loan.</a:t>
+              <a:t>Household and demographic information can predict </a:t>
+            </a:r>
+            <a:r>
+              <a:rPr lang="en-US" dirty="0"/>
+              <a:t>the likelihood of a </a:t>
+            </a:r>
+            <a:r>
+              <a:rPr lang="en-US" dirty="0" smtClean="0"/>
+              <a:t>household becoming a high value household in a defined future timeframe.</a:t>
             </a:r>
             <a:endParaRPr lang="en-US" dirty="0"/>
           </a:p>
@@ -4728,13 +4739,20 @@
     </p:spTree>
     <p:extLst>
       <p:ext uri="{BB962C8B-B14F-4D97-AF65-F5344CB8AC3E}">
-        <p14:creationId xmlns:p14="http://schemas.microsoft.com/office/powerpoint/2010/main" val="1105853463"/>
+        <p14:creationId xmlns:p14="http://schemas.microsoft.com/office/powerpoint/2010/main" val="1426525453"/>
       </p:ext>
     </p:extLst>
   </p:cSld>
   <p:clrMapOvr>
     <a:masterClrMapping/>
   </p:clrMapOvr>
+  <p:timing>
+    <p:tnLst>
+      <p:par>
+        <p:cTn id="1" dur="indefinite" restart="never" nodeType="tmRoot"/>
+      </p:par>
+    </p:tnLst>
+  </p:timing>
 </p:sld>
 </file>
 
@@ -4767,10 +4785,47 @@
         </p:nvSpPr>
         <p:spPr/>
         <p:txBody>
-          <a:bodyPr/>
-          <a:lstStyle/>
-          <a:p>
-            <a:endParaRPr lang="en-US"/>
+          <a:bodyPr>
+            <a:normAutofit fontScale="90000"/>
+          </a:bodyPr>
+          <a:lstStyle/>
+          <a:p>
+            <a:r>
+              <a:rPr lang="en-US" dirty="0" smtClean="0"/>
+              <a:t>Project idea </a:t>
+            </a:r>
+            <a:r>
+              <a:rPr lang="en-US" dirty="0"/>
+              <a:t>4</a:t>
+            </a:r>
+            <a:r>
+              <a:rPr lang="en-US" dirty="0" smtClean="0"/>
+              <a:t/>
+            </a:r>
+            <a:br>
+              <a:rPr lang="en-US" dirty="0" smtClean="0"/>
+            </a:br>
+            <a:r>
+              <a:rPr lang="en-US" sz="4000" dirty="0" smtClean="0"/>
+              <a:t>( Predicting default based on the Loan </a:t>
+            </a:r>
+            <a:r>
+              <a:rPr lang="en-US" sz="4000" dirty="0" err="1" smtClean="0"/>
+              <a:t>DataSet</a:t>
+            </a:r>
+            <a:r>
+              <a:rPr lang="en-US" sz="4000" dirty="0" smtClean="0"/>
+              <a:t> - </a:t>
+            </a:r>
+            <a:r>
+              <a:rPr lang="en-US" sz="4000" dirty="0" err="1" smtClean="0"/>
+              <a:t>Kaggle</a:t>
+            </a:r>
+            <a:r>
+              <a:rPr lang="en-US" sz="4000" dirty="0" smtClean="0"/>
+              <a:t>)</a:t>
+            </a:r>
+            <a:endParaRPr lang="en-US" sz="4000" dirty="0"/>
           </a:p>
         </p:txBody>
       </p:sp>
@@ -4787,7 +4842,7 @@
         <p:spPr/>
         <p:txBody>
           <a:bodyPr>
-            <a:normAutofit lnSpcReduction="10000"/>
+            <a:normAutofit/>
           </a:bodyPr>
           <a:lstStyle/>
           <a:p>
@@ -4795,20 +4850,25 @@
               <a:rPr lang="en-US" b="1" u="sng" dirty="0"/>
               <a:t>The Problem: </a:t>
             </a:r>
-          </a:p>
-          <a:p>
-            <a:r>
-              <a:rPr lang="en-US" dirty="0"/>
+            <a:endParaRPr lang="en-US" b="1" u="sng" dirty="0" smtClean="0"/>
+          </a:p>
+          <a:p>
+            <a:r>
+              <a:rPr lang="en-US" dirty="0" smtClean="0"/>
               <a:t>Predict the Likelihood of default for a given customer </a:t>
             </a:r>
           </a:p>
           <a:p>
-            <a:endParaRPr lang="en-US" b="1" u="sng" dirty="0"/>
-          </a:p>
-          <a:p>
+            <a:endParaRPr lang="en-US" b="1" u="sng" dirty="0" smtClean="0"/>
+          </a:p>
+          <a:p>
+            <a:r>
+              <a:rPr lang="en-US" b="1" u="sng" dirty="0" smtClean="0"/>
+              <a:t>Data</a:t>
+            </a:r>
             <a:r>
               <a:rPr lang="en-US" b="1" u="sng" dirty="0"/>
-              <a:t>Data:</a:t>
+              <a:t>:</a:t>
             </a:r>
           </a:p>
           <a:p>
@@ -4817,54 +4877,46 @@
               <a:buChar char="•"/>
             </a:pPr>
             <a:r>
-              <a:rPr lang="en-US" dirty="0"/>
-              <a:t>Customer Loan Data</a:t>
-            </a:r>
-          </a:p>
-          <a:p>
-            <a:pPr lvl="1">
-              <a:buFont typeface="Arial" charset="0"/>
-              <a:buChar char="•"/>
-            </a:pPr>
-            <a:r>
-              <a:rPr lang="en-US" dirty="0"/>
-              <a:t>Customer Demographic Data </a:t>
-            </a:r>
-          </a:p>
-          <a:p>
-            <a:pPr lvl="1">
-              <a:buFont typeface="Arial" charset="0"/>
-              <a:buChar char="•"/>
-            </a:pPr>
+              <a:rPr lang="en-US" dirty="0" smtClean="0">
+                <a:hlinkClick r:id="rId2"/>
+              </a:rPr>
+              <a:t>https</a:t>
+            </a:r>
             <a:r>
               <a:rPr lang="en-US" dirty="0">
                 <a:hlinkClick r:id="rId2"/>
               </a:rPr>
-              <a:t>https://www.kaggle.com/zhijinzhai/loandata</a:t>
+              <a:t>://www.kaggle.com/c/mercedes-benz-greener-manufacturing#description</a:t>
+            </a:r>
+            <a:endParaRPr lang="en-US" b="1" u="sng" dirty="0"/>
+          </a:p>
+          <a:p>
+            <a:pPr marL="0" indent="0">
+              <a:buNone/>
+            </a:pPr>
+            <a:endParaRPr lang="en-US" b="1" u="sng" dirty="0" smtClean="0"/>
+          </a:p>
+          <a:p>
+            <a:pPr marL="0" indent="0">
+              <a:buNone/>
+            </a:pPr>
+            <a:r>
+              <a:rPr lang="en-US" b="1" u="sng" smtClean="0"/>
+              <a:t>Hypothesis</a:t>
+            </a:r>
+            <a:r>
+              <a:rPr lang="en-US" b="1" u="sng" dirty="0"/>
+              <a:t>:</a:t>
+            </a:r>
+          </a:p>
+          <a:p>
+            <a:r>
+              <a:rPr lang="en-US" dirty="0" smtClean="0"/>
+              <a:t>Based on customer loan data and their demographic information, we can predict the likelihood of a customer defaulting the loan.</a:t>
             </a:r>
             <a:endParaRPr lang="en-US" dirty="0"/>
           </a:p>
           <a:p>
-            <a:pPr lvl="1">
-              <a:buFont typeface="Arial" charset="0"/>
-              <a:buChar char="•"/>
-            </a:pPr>
-            <a:endParaRPr lang="en-US" b="1" u="sng" dirty="0"/>
-          </a:p>
-          <a:p>
-            <a:pPr marL="0" indent="0">
-              <a:buNone/>
-            </a:pPr>
-            <a:r>
-              <a:rPr lang="en-US" b="1" u="sng" dirty="0"/>
-              <a:t>Hypothesis:</a:t>
-            </a:r>
-          </a:p>
-          <a:p>
-            <a:r>
-              <a:rPr lang="en-US" dirty="0"/>
-              <a:t>Based on customer loan data and their demographic information, we can predict the likelihood of a customer defaulting the loan.</a:t>
-            </a:r>
             <a:endParaRPr lang="en-US" dirty="0"/>
           </a:p>
         </p:txBody>
@@ -4872,7 +4924,7 @@
     </p:spTree>
     <p:extLst>
       <p:ext uri="{BB962C8B-B14F-4D97-AF65-F5344CB8AC3E}">
-        <p14:creationId xmlns:p14="http://schemas.microsoft.com/office/powerpoint/2010/main" val="1259071529"/>
+        <p14:creationId xmlns:p14="http://schemas.microsoft.com/office/powerpoint/2010/main" val="1105853463"/>
       </p:ext>
     </p:extLst>
   </p:cSld>
